--- a/ppt/PythonMath09-Stats.pptx
+++ b/ppt/PythonMath09-Stats.pptx
@@ -3836,13 +3836,8 @@
             <a:pPr lvl="1"/>
             <a:r>
               <a:rPr lang="fr-FR" dirty="0"/>
-              <a:t>50% des valeurs au dessous et 50% </a:t>
-            </a:r>
-            <a:r>
-              <a:rPr lang="fr-FR"/>
-              <a:t>au dessus</a:t>
-            </a:r>
-            <a:endParaRPr lang="fr-FR" dirty="0"/>
+              <a:t>50% des valeurs en dessous et 50% au dessus</a:t>
+            </a:r>
           </a:p>
           <a:p>
             <a:r>
